--- a/ppt/5-进程的描述和进程的创建.pptx
+++ b/ppt/5-进程的描述和进程的创建.pptx
@@ -5,7 +5,7 @@
     <p:sldMasterId id="2147483648" r:id="rId1"/>
   </p:sldMasterIdLst>
   <p:notesMasterIdLst>
-    <p:notesMasterId r:id="rId68"/>
+    <p:notesMasterId r:id="rId67"/>
   </p:notesMasterIdLst>
   <p:sldIdLst>
     <p:sldId id="256" r:id="rId3"/>
@@ -72,7 +72,6 @@
     <p:sldId id="348" r:id="rId64"/>
     <p:sldId id="294" r:id="rId65"/>
     <p:sldId id="295" r:id="rId66"/>
-    <p:sldId id="349" r:id="rId67"/>
   </p:sldIdLst>
   <p:sldSz cx="24384000" cy="13716000"/>
   <p:notesSz cx="6858000" cy="9144000"/>
@@ -3014,72 +3013,9 @@
           </a:p>
         </p:txBody>
       </p:sp>
-      <p:pic>
-        <p:nvPicPr>
-          <p:cNvPr id="120" name="pasted-image.png"/>
-          <p:cNvPicPr>
-            <a:picLocks noChangeAspect="1"/>
-          </p:cNvPicPr>
-          <p:nvPr/>
-        </p:nvPicPr>
-        <p:blipFill>
-          <a:blip r:embed="rId1"/>
-          <a:stretch>
-            <a:fillRect/>
-          </a:stretch>
-        </p:blipFill>
-        <p:spPr>
-          <a:xfrm>
-            <a:off x="19086777" y="9340198"/>
-            <a:ext cx="3604906" cy="3604905"/>
-          </a:xfrm>
-          <a:prstGeom prst="rect">
-            <a:avLst/>
-          </a:prstGeom>
-          <a:ln w="12700">
-            <a:miter lim="400000"/>
-            <a:headEnd/>
-            <a:tailEnd/>
-          </a:ln>
-        </p:spPr>
-      </p:pic>
       <p:sp>
         <p:nvSpPr>
-          <p:cNvPr id="121" name="Shape 121"/>
-          <p:cNvSpPr/>
-          <p:nvPr/>
-        </p:nvSpPr>
-        <p:spPr>
-          <a:xfrm>
-            <a:off x="20070080" y="12798845"/>
-            <a:ext cx="1638301" cy="635001"/>
-          </a:xfrm>
-          <a:prstGeom prst="rect">
-            <a:avLst/>
-          </a:prstGeom>
-          <a:ln w="12700">
-            <a:miter lim="400000"/>
-          </a:ln>
-        </p:spPr>
-        <p:txBody>
-          <a:bodyPr wrap="none" lIns="50800" tIns="50800" rIns="50800" bIns="50800" anchor="ctr">
-            <a:spAutoFit/>
-          </a:bodyPr>
-          <a:lstStyle>
-            <a:lvl1pPr>
-              <a:defRPr sz="3000"/>
-            </a:lvl1pPr>
-          </a:lstStyle>
-          <a:p>
-            <a:r>
-              <a:t>关注孟宁</a:t>
-            </a:r>
-          </a:p>
-        </p:txBody>
-      </p:sp>
-      <p:sp>
-        <p:nvSpPr>
-          <p:cNvPr id="122" name="Shape 122"/>
+          <p:cNvPr id="158" name="Shape 158"/>
           <p:cNvSpPr/>
           <p:nvPr/>
         </p:nvSpPr>
@@ -3106,40 +3042,28 @@
           </a:lstStyle>
           <a:p>
             <a:r>
+              <a:rPr>
+                <a:sym typeface="+mn-ea"/>
+              </a:rPr>
               <a:t>孟宁</a:t>
             </a:r>
+            <a:endParaRPr>
+              <a:sym typeface="+mn-ea"/>
+            </a:endParaRPr>
+          </a:p>
+          <a:p>
+            <a:r>
+              <a:rPr lang="en-US" altLang="zh-CN">
+                <a:sym typeface="+mn-ea"/>
+              </a:rPr>
+              <a:t>mengning@ustc.edu.cn</a:t>
+            </a:r>
+            <a:endParaRPr lang="en-US" altLang="zh-CN">
+              <a:sym typeface="+mn-ea"/>
+            </a:endParaRPr>
           </a:p>
         </p:txBody>
       </p:sp>
-      <p:pic>
-        <p:nvPicPr>
-          <p:cNvPr id="123" name="pasted-image.png"/>
-          <p:cNvPicPr>
-            <a:picLocks noChangeAspect="1"/>
-          </p:cNvPicPr>
-          <p:nvPr/>
-        </p:nvPicPr>
-        <p:blipFill>
-          <a:blip r:embed="rId2"/>
-          <a:stretch>
-            <a:fillRect/>
-          </a:stretch>
-        </p:blipFill>
-        <p:spPr>
-          <a:xfrm>
-            <a:off x="18982463" y="8889223"/>
-            <a:ext cx="4506855" cy="4506856"/>
-          </a:xfrm>
-          <a:prstGeom prst="rect">
-            <a:avLst/>
-          </a:prstGeom>
-          <a:ln w="12700">
-            <a:miter lim="400000"/>
-            <a:headEnd/>
-            <a:tailEnd/>
-          </a:ln>
-        </p:spPr>
-      </p:pic>
     </p:spTree>
   </p:cSld>
   <p:clrMapOvr>
@@ -6677,7 +6601,14 @@
               <a:defRPr sz="4420"/>
             </a:pPr>
             <a:r>
-              <a:t>所有的用户进程地址空间都有相同的地址范围，那么不同的进程中可能有具有相同起始地址的线性区分别映射到了不同的物理内存，不同进程中不同起始地址的线性区可能映射到同一块物理内存上，而CPU寻址的虚拟地址空间理论只有一个，那么Linux内核是怎么在一个虚拟地址空间之上虚拟出众多进程地址空间的呢？</a:t>
+              <a:t>所有的用户进程地址空间都有相同的地址范围，那么不同的进程中可能有具有相同起始地址的线性区分别映射到了不同的物理内存，不同进程中不同起始地址的线性区可能映射到同一块物理内存上，而CPU寻址的虚拟地址空间理论</a:t>
+            </a:r>
+            <a:r>
+              <a:rPr lang="zh-CN"/>
+              <a:t>上</a:t>
+            </a:r>
+            <a:r>
+              <a:t>只有一个，那么Linux内核是怎么在一个虚拟地址空间之上虚拟出众多进程地址空间的呢？</a:t>
             </a:r>
           </a:p>
           <a:p>
@@ -6798,7 +6729,14 @@
               <a:defRPr sz="4420"/>
             </a:pPr>
             <a:r>
-              <a:t>由于页表的查找是MMU完成的，所以硬件定义了页表的实现规则，这就造成Linux内核需要兼容不同CPU的页表实现规则，相关代码细节与CPU体系结构关系密切，我们这里不再深入讨论X86、ARM或其他CPU有关内存管理页表的实现。但从逻辑要搞清楚进程的地址空间与物理内存的映射是由进程自己的内存管理页表所规定的，这样CPU在执行一个进程时就把该进程的地址空间当作自己的虚拟地址空间，从而实现了一个虚拟地址空间之上派生出了诸多进程地址空间，而它们又并行不悖。</a:t>
+              <a:t>由于页表的查找是MMU完成的，所以硬件定义了页表的实现规则，这就造成Linux内核需要兼容不同CPU的页表实现规则，相关代码细节与CPU体系结构关系密切，我们这里不再深入讨论X86、ARM或其他CPU有关内存管理页表的实现。但从逻辑</a:t>
+            </a:r>
+            <a:r>
+              <a:rPr lang="zh-CN"/>
+              <a:t>上</a:t>
+            </a:r>
+            <a:r>
+              <a:t>要搞清楚进程的地址空间与物理内存的映射是由进程自己的内存管理页表所规定的，这样CPU在执行一个进程时就把该进程的地址空间当作自己的虚拟地址空间，从而实现了一个虚拟地址空间之上派生出了诸多进程地址空间，而它们又并行不悖。</a:t>
             </a:r>
           </a:p>
         </p:txBody>
@@ -8430,7 +8368,22 @@
           <a:lstStyle/>
           <a:p>
             <a:r>
-              <a:t>Linux内核实现了操作系统的三大核心功能，即进程管理、内存管理和文件系统，对应操作系统原理课程中最重要的 3 个抽象概念是进程、虚拟地址和文件。其中，操作系统内核中最核心的功能是进程管理。谈到进程管理就要涉及一个问题：进程是怎样描述的？进程的描述有提纲挈领的作用，它可以把内存管理、文件系统、进程间通信等内容串起来。Linux内核中的进程是非常复杂的，在操作系统原理中，我们通过进程控制块PCB描述进程。为了管理进程，内核要描述进程的结构，我们也称其为进程描述符，进程描述符直接或间接提供了进程相关的所有信息。</a:t>
+              <a:t>Linux内核实现了操作系统的三大核心功能，即进程管理、内存管理和文件系统，对应操作系统原理课程中最重要的 3 个抽象概念是进程、虚拟地址</a:t>
+            </a:r>
+            <a:r>
+              <a:rPr lang="zh-CN">
+                <a:ea typeface="宋体" panose="02010600030101010101" pitchFamily="2" charset="-122"/>
+              </a:rPr>
+              <a:t>（进程地址</a:t>
+            </a:r>
+            <a:r>
+              <a:rPr lang="zh-CN">
+                <a:ea typeface="宋体" panose="02010600030101010101" pitchFamily="2" charset="-122"/>
+              </a:rPr>
+              <a:t>空间）</a:t>
+            </a:r>
+            <a:r>
+              <a:t>和文件。其中，操作系统内核中最核心的功能是进程管理。谈到进程管理就要涉及一个问题：进程是怎样描述的？进程的描述有提纲挈领的作用，它可以把内存管理、文件系统、进程间通信等内容串起来。Linux内核中的进程是非常复杂的，在操作系统原理中，我们通过进程控制块PCB描述进程。为了管理进程，内核要描述进程的结构，我们也称其为进程描述符，进程描述符直接或间接提供了进程相关的所有信息。</a:t>
             </a:r>
           </a:p>
         </p:txBody>
@@ -9791,6 +9744,9 @@
               </a:rPr>
               <a:t>系统调用回顾</a:t>
             </a:r>
+            <a:endParaRPr>
+              <a:sym typeface="+mn-ea"/>
+            </a:endParaRPr>
           </a:p>
         </p:txBody>
       </p:sp>
@@ -10218,6 +10174,9 @@
               </a:rPr>
               <a:t>系统调用回顾</a:t>
             </a:r>
+            <a:endParaRPr>
+              <a:sym typeface="+mn-ea"/>
+            </a:endParaRPr>
           </a:p>
         </p:txBody>
       </p:sp>
@@ -19698,250 +19657,6 @@
           <a:p>
             <a:r>
               <a:t>系统调用返回</a:t>
-            </a:r>
-          </a:p>
-        </p:txBody>
-      </p:sp>
-    </p:spTree>
-  </p:cSld>
-  <p:clrMapOvr>
-    <a:masterClrMapping/>
-  </p:clrMapOvr>
-  <mc:AlternateContent xmlns:mc="http://schemas.openxmlformats.org/markup-compatibility/2006">
-    <mc:Choice xmlns:p14="http://schemas.microsoft.com/office/powerpoint/2010/main" Requires="p14">
-      <p:transition spd="med" p14:dur="1000"/>
-    </mc:Choice>
-    <mc:Fallback>
-      <p:transition spd="med"/>
-    </mc:Fallback>
-  </mc:AlternateContent>
-</p:sld>
-</file>
-
-<file path=ppt/slides/slide65.xml><?xml version="1.0" encoding="utf-8"?>
-<p:sld xmlns:a="http://schemas.openxmlformats.org/drawingml/2006/main" xmlns:r="http://schemas.openxmlformats.org/officeDocument/2006/relationships" xmlns:p="http://schemas.openxmlformats.org/presentationml/2006/main">
-  <p:cSld>
-    <p:spTree>
-      <p:nvGrpSpPr>
-        <p:cNvPr id="1" name=""/>
-        <p:cNvGrpSpPr/>
-        <p:nvPr/>
-      </p:nvGrpSpPr>
-      <p:grpSpPr>
-        <a:xfrm>
-          <a:off x="0" y="0"/>
-          <a:ext cx="0" cy="0"/>
-          <a:chOff x="0" y="0"/>
-          <a:chExt cx="0" cy="0"/>
-        </a:xfrm>
-      </p:grpSpPr>
-      <p:sp>
-        <p:nvSpPr>
-          <p:cNvPr id="188" name="Shape 188"/>
-          <p:cNvSpPr/>
-          <p:nvPr>
-            <p:ph type="title"/>
-          </p:nvPr>
-        </p:nvSpPr>
-        <p:spPr>
-          <a:prstGeom prst="rect">
-            <a:avLst/>
-          </a:prstGeom>
-        </p:spPr>
-        <p:txBody>
-          <a:bodyPr/>
-          <a:lstStyle>
-            <a:lvl1pPr algn="l">
-              <a:defRPr sz="8000"/>
-            </a:lvl1pPr>
-          </a:lstStyle>
-          <a:p>
-            <a:r>
-              <a:t>用户态创建进程的方法</a:t>
-            </a:r>
-          </a:p>
-        </p:txBody>
-      </p:sp>
-      <p:sp>
-        <p:nvSpPr>
-          <p:cNvPr id="189" name="Shape 189"/>
-          <p:cNvSpPr/>
-          <p:nvPr>
-            <p:ph type="body" sz="half" idx="1"/>
-          </p:nvPr>
-        </p:nvSpPr>
-        <p:spPr>
-          <a:xfrm>
-            <a:off x="1689100" y="3238500"/>
-            <a:ext cx="9625985" cy="9207500"/>
-          </a:xfrm>
-          <a:prstGeom prst="rect">
-            <a:avLst/>
-          </a:prstGeom>
-        </p:spPr>
-        <p:txBody>
-          <a:bodyPr/>
-          <a:lstStyle/>
-          <a:p>
-            <a:r>
-              <a:t>我们一般使用Shell命令行来启动一个程序，其中首先是创建一个子进程。但是由于Shell命令行程序比较复杂，为了便于理解，我们简化了Shell命令行程序，用如下一小段代码来看怎样在用户态创建一个子进程。</a:t>
-            </a:r>
-          </a:p>
-        </p:txBody>
-      </p:sp>
-      <p:sp>
-        <p:nvSpPr>
-          <p:cNvPr id="190" name="Shape 190"/>
-          <p:cNvSpPr/>
-          <p:nvPr/>
-        </p:nvSpPr>
-        <p:spPr>
-          <a:xfrm>
-            <a:off x="13390793" y="-3740869"/>
-            <a:ext cx="8829676" cy="18389601"/>
-          </a:xfrm>
-          <a:prstGeom prst="rect">
-            <a:avLst/>
-          </a:prstGeom>
-          <a:ln w="12700">
-            <a:miter lim="400000"/>
-          </a:ln>
-        </p:spPr>
-        <p:txBody>
-          <a:bodyPr wrap="none" lIns="50800" tIns="50800" rIns="50800" bIns="50800" anchor="ctr">
-            <a:spAutoFit/>
-          </a:bodyPr>
-          <a:lstStyle/>
-          <a:p>
-            <a:pPr algn="l"/>
-            <a:r>
-              <a:t>#include &lt;stdio.h&gt;</a:t>
-            </a:r>
-          </a:p>
-          <a:p>
-            <a:pPr algn="l"/>
-            <a:r>
-              <a:t>#include &lt;stdlib.h&gt;</a:t>
-            </a:r>
-          </a:p>
-          <a:p>
-            <a:pPr algn="l"/>
-            <a:r>
-              <a:t>#include &lt;unistd.h&gt;</a:t>
-            </a:r>
-          </a:p>
-          <a:p>
-            <a:pPr algn="l"/>
-          </a:p>
-          <a:p>
-            <a:pPr algn="l"/>
-          </a:p>
-          <a:p>
-            <a:pPr algn="l"/>
-            <a:r>
-              <a:t>int main(int argc, char * argv[])</a:t>
-            </a:r>
-          </a:p>
-          <a:p>
-            <a:pPr algn="l"/>
-            <a:r>
-              <a:t>{</a:t>
-            </a:r>
-          </a:p>
-          <a:p>
-            <a:pPr algn="l"/>
-            <a:r>
-              <a:t>    int pid;</a:t>
-            </a:r>
-          </a:p>
-          <a:p>
-            <a:pPr algn="l"/>
-            <a:r>
-              <a:t>    /* fork another process */</a:t>
-            </a:r>
-          </a:p>
-          <a:p>
-            <a:pPr algn="l"/>
-            <a:r>
-              <a:t>    pid = fork();</a:t>
-            </a:r>
-          </a:p>
-          <a:p>
-            <a:pPr algn="l"/>
-            <a:r>
-              <a:t>    if (pid &lt; 0)   </a:t>
-            </a:r>
-          </a:p>
-          <a:p>
-            <a:pPr algn="l"/>
-            <a:r>
-              <a:t>    { </a:t>
-            </a:r>
-          </a:p>
-          <a:p>
-            <a:pPr algn="l"/>
-            <a:r>
-              <a:t>        /* error occurred */</a:t>
-            </a:r>
-          </a:p>
-          <a:p>
-            <a:pPr algn="l"/>
-            <a:r>
-              <a:t>    } </a:t>
-            </a:r>
-          </a:p>
-          <a:p>
-            <a:pPr algn="l"/>
-            <a:r>
-              <a:t>    else if (pid == 0) </a:t>
-            </a:r>
-          </a:p>
-          <a:p>
-            <a:pPr algn="l"/>
-            <a:r>
-              <a:t>    {</a:t>
-            </a:r>
-          </a:p>
-          <a:p>
-            <a:pPr algn="l"/>
-            <a:r>
-              <a:t>        /* child process */  </a:t>
-            </a:r>
-          </a:p>
-          <a:p>
-            <a:pPr algn="l"/>
-            <a:r>
-              <a:t>    } </a:t>
-            </a:r>
-          </a:p>
-          <a:p>
-            <a:pPr algn="l"/>
-            <a:r>
-              <a:t>    else </a:t>
-            </a:r>
-          </a:p>
-          <a:p>
-            <a:pPr algn="l"/>
-            <a:r>
-              <a:t>    {  </a:t>
-            </a:r>
-          </a:p>
-          <a:p>
-            <a:pPr algn="l"/>
-            <a:r>
-              <a:t>        /* parent process  */</a:t>
-            </a:r>
-          </a:p>
-          <a:p>
-            <a:pPr algn="l"/>
-            <a:r>
-              <a:t>    }</a:t>
-            </a:r>
-          </a:p>
-          <a:p>
-            <a:pPr algn="l"/>
-            <a:r>
-              <a:t>}</a:t>
             </a:r>
           </a:p>
         </p:txBody>
